--- a/bishops/cs321/resources/CS321_Lecture_08A.pptx
+++ b/bishops/cs321/resources/CS321_Lecture_08A.pptx
@@ -117,7 +117,7 @@
   </p:defaultTextStyle>
   <p:extLst>
     <p:ext uri="{EFAFB233-063F-42B5-8137-9DF3F51BA10A}">
-      <p15:sldGuideLst xmlns:p15="http://schemas.microsoft.com/office/powerpoint/2012/main"/>
+      <p15:sldGuideLst xmlns:p15="http://schemas.microsoft.com/office/powerpoint/2012/main" xmlns=""/>
     </p:ext>
   </p:extLst>
 </p:presentation>
@@ -128,7 +128,7 @@
   <p:cmAuthor id="1" name="Gregory" initials="G" lastIdx="1" clrIdx="0">
     <p:extLst>
       <p:ext uri="{19B8F6BF-5375-455C-9EA6-DF929625EA0E}">
-        <p15:presenceInfo xmlns:p15="http://schemas.microsoft.com/office/powerpoint/2012/main" userId="Gregory" providerId="None"/>
+        <p15:presenceInfo xmlns:p15="http://schemas.microsoft.com/office/powerpoint/2012/main" xmlns="" userId="Gregory" providerId="None"/>
       </p:ext>
     </p:extLst>
   </p:cmAuthor>
@@ -217,7 +217,8 @@
           <a:p>
             <a:fld id="{A6583E9D-07AB-4C6D-BFD0-47E805C6B3D4}" type="datetimeFigureOut">
               <a:rPr lang="en-CA" smtClean="0"/>
-              <a:t>2022-02-05</a:t>
+              <a:pPr/>
+              <a:t>2025-01-05</a:t>
             </a:fld>
             <a:endParaRPr lang="en-CA"/>
           </a:p>
@@ -376,6 +377,7 @@
           <a:p>
             <a:fld id="{8F20841C-25C9-4C0C-A7FA-C4A363D14F5A}" type="slidenum">
               <a:rPr lang="en-CA" smtClean="0"/>
+              <a:pPr/>
               <a:t>‹#›</a:t>
             </a:fld>
             <a:endParaRPr lang="en-CA"/>
@@ -385,7 +387,7 @@
     </p:spTree>
     <p:extLst>
       <p:ext uri="{BB962C8B-B14F-4D97-AF65-F5344CB8AC3E}">
-        <p14:creationId xmlns:p14="http://schemas.microsoft.com/office/powerpoint/2010/main" val="4237529172"/>
+        <p14:creationId xmlns:p14="http://schemas.microsoft.com/office/powerpoint/2010/main" xmlns="" val="4237529172"/>
       </p:ext>
     </p:extLst>
   </p:cSld>
@@ -529,14 +531,6 @@
           <a:bodyPr/>
           <a:lstStyle/>
           <a:p>
-            <a:r>
-              <a:rPr lang="en-CA" dirty="0"/>
-              <a:t>Multi-instrument</a:t>
-            </a:r>
-            <a:r>
-              <a:rPr lang="en-CA" baseline="0" dirty="0"/>
-              <a:t> / Multi-instrument Inter-process (minus the)-with Eye Trackers-</a:t>
-            </a:r>
             <a:endParaRPr lang="en-CA" dirty="0"/>
           </a:p>
         </p:txBody>
@@ -558,6 +552,7 @@
           <a:p>
             <a:fld id="{8F20841C-25C9-4C0C-A7FA-C4A363D14F5A}" type="slidenum">
               <a:rPr lang="en-CA" smtClean="0"/>
+              <a:pPr/>
               <a:t>1</a:t>
             </a:fld>
             <a:endParaRPr lang="en-CA"/>
@@ -567,7 +562,7 @@
     </p:spTree>
     <p:extLst>
       <p:ext uri="{BB962C8B-B14F-4D97-AF65-F5344CB8AC3E}">
-        <p14:creationId xmlns:p14="http://schemas.microsoft.com/office/powerpoint/2010/main" val="2340334442"/>
+        <p14:creationId xmlns:p14="http://schemas.microsoft.com/office/powerpoint/2010/main" xmlns="" val="2340334442"/>
       </p:ext>
     </p:extLst>
   </p:cSld>
@@ -761,6 +756,7 @@
           <a:p>
             <a:fld id="{5174927E-2439-42C0-9720-7BBCA09BF46F}" type="slidenum">
               <a:rPr lang="en-CA" smtClean="0"/>
+              <a:pPr/>
               <a:t>‹#›</a:t>
             </a:fld>
             <a:endParaRPr lang="en-CA"/>
@@ -770,7 +766,7 @@
     </p:spTree>
     <p:extLst>
       <p:ext uri="{BB962C8B-B14F-4D97-AF65-F5344CB8AC3E}">
-        <p14:creationId xmlns:p14="http://schemas.microsoft.com/office/powerpoint/2010/main" val="1900560834"/>
+        <p14:creationId xmlns:p14="http://schemas.microsoft.com/office/powerpoint/2010/main" xmlns="" val="1900560834"/>
       </p:ext>
     </p:extLst>
   </p:cSld>
@@ -934,6 +930,7 @@
           <a:p>
             <a:fld id="{5174927E-2439-42C0-9720-7BBCA09BF46F}" type="slidenum">
               <a:rPr lang="en-CA" smtClean="0"/>
+              <a:pPr/>
               <a:t>‹#›</a:t>
             </a:fld>
             <a:endParaRPr lang="en-CA"/>
@@ -943,7 +940,7 @@
     </p:spTree>
     <p:extLst>
       <p:ext uri="{BB962C8B-B14F-4D97-AF65-F5344CB8AC3E}">
-        <p14:creationId xmlns:p14="http://schemas.microsoft.com/office/powerpoint/2010/main" val="3722958745"/>
+        <p14:creationId xmlns:p14="http://schemas.microsoft.com/office/powerpoint/2010/main" xmlns="" val="3722958745"/>
       </p:ext>
     </p:extLst>
   </p:cSld>
@@ -1179,7 +1176,7 @@
     </p:spTree>
     <p:extLst>
       <p:ext uri="{BB962C8B-B14F-4D97-AF65-F5344CB8AC3E}">
-        <p14:creationId xmlns:p14="http://schemas.microsoft.com/office/powerpoint/2010/main" val="1822376042"/>
+        <p14:creationId xmlns:p14="http://schemas.microsoft.com/office/powerpoint/2010/main" xmlns="" val="1822376042"/>
       </p:ext>
     </p:extLst>
   </p:cSld>
@@ -1419,6 +1416,7 @@
           <a:p>
             <a:fld id="{5174927E-2439-42C0-9720-7BBCA09BF46F}" type="slidenum">
               <a:rPr lang="en-CA" smtClean="0"/>
+              <a:pPr/>
               <a:t>‹#›</a:t>
             </a:fld>
             <a:endParaRPr lang="en-CA"/>
@@ -1428,7 +1426,7 @@
     </p:spTree>
     <p:extLst>
       <p:ext uri="{BB962C8B-B14F-4D97-AF65-F5344CB8AC3E}">
-        <p14:creationId xmlns:p14="http://schemas.microsoft.com/office/powerpoint/2010/main" val="3411672561"/>
+        <p14:creationId xmlns:p14="http://schemas.microsoft.com/office/powerpoint/2010/main" xmlns="" val="3411672561"/>
       </p:ext>
     </p:extLst>
   </p:cSld>
@@ -1654,6 +1652,7 @@
           <a:p>
             <a:fld id="{5174927E-2439-42C0-9720-7BBCA09BF46F}" type="slidenum">
               <a:rPr lang="en-CA" smtClean="0"/>
+              <a:pPr/>
               <a:t>‹#›</a:t>
             </a:fld>
             <a:endParaRPr lang="en-CA"/>
@@ -1663,7 +1662,7 @@
     </p:spTree>
     <p:extLst>
       <p:ext uri="{BB962C8B-B14F-4D97-AF65-F5344CB8AC3E}">
-        <p14:creationId xmlns:p14="http://schemas.microsoft.com/office/powerpoint/2010/main" val="1093008526"/>
+        <p14:creationId xmlns:p14="http://schemas.microsoft.com/office/powerpoint/2010/main" xmlns="" val="1093008526"/>
       </p:ext>
     </p:extLst>
   </p:cSld>
@@ -2024,6 +2023,7 @@
           <a:p>
             <a:fld id="{5174927E-2439-42C0-9720-7BBCA09BF46F}" type="slidenum">
               <a:rPr lang="en-CA" smtClean="0"/>
+              <a:pPr/>
               <a:t>‹#›</a:t>
             </a:fld>
             <a:endParaRPr lang="en-CA"/>
@@ -2033,7 +2033,7 @@
     </p:spTree>
     <p:extLst>
       <p:ext uri="{BB962C8B-B14F-4D97-AF65-F5344CB8AC3E}">
-        <p14:creationId xmlns:p14="http://schemas.microsoft.com/office/powerpoint/2010/main" val="1087924878"/>
+        <p14:creationId xmlns:p14="http://schemas.microsoft.com/office/powerpoint/2010/main" xmlns="" val="1087924878"/>
       </p:ext>
     </p:extLst>
   </p:cSld>
@@ -2145,6 +2145,7 @@
           <a:p>
             <a:fld id="{5174927E-2439-42C0-9720-7BBCA09BF46F}" type="slidenum">
               <a:rPr lang="en-CA" smtClean="0"/>
+              <a:pPr/>
               <a:t>‹#›</a:t>
             </a:fld>
             <a:endParaRPr lang="en-CA"/>
@@ -2154,7 +2155,7 @@
     </p:spTree>
     <p:extLst>
       <p:ext uri="{BB962C8B-B14F-4D97-AF65-F5344CB8AC3E}">
-        <p14:creationId xmlns:p14="http://schemas.microsoft.com/office/powerpoint/2010/main" val="3802387408"/>
+        <p14:creationId xmlns:p14="http://schemas.microsoft.com/office/powerpoint/2010/main" xmlns="" val="3802387408"/>
       </p:ext>
     </p:extLst>
   </p:cSld>
@@ -2243,6 +2244,7 @@
           <a:p>
             <a:fld id="{5174927E-2439-42C0-9720-7BBCA09BF46F}" type="slidenum">
               <a:rPr lang="en-CA" smtClean="0"/>
+              <a:pPr/>
               <a:t>‹#›</a:t>
             </a:fld>
             <a:endParaRPr lang="en-CA"/>
@@ -2252,7 +2254,7 @@
     </p:spTree>
     <p:extLst>
       <p:ext uri="{BB962C8B-B14F-4D97-AF65-F5344CB8AC3E}">
-        <p14:creationId xmlns:p14="http://schemas.microsoft.com/office/powerpoint/2010/main" val="4234091411"/>
+        <p14:creationId xmlns:p14="http://schemas.microsoft.com/office/powerpoint/2010/main" xmlns="" val="4234091411"/>
       </p:ext>
     </p:extLst>
   </p:cSld>
@@ -2523,6 +2525,7 @@
           <a:p>
             <a:fld id="{5174927E-2439-42C0-9720-7BBCA09BF46F}" type="slidenum">
               <a:rPr lang="en-CA" smtClean="0"/>
+              <a:pPr/>
               <a:t>‹#›</a:t>
             </a:fld>
             <a:endParaRPr lang="en-CA"/>
@@ -2532,7 +2535,7 @@
     </p:spTree>
     <p:extLst>
       <p:ext uri="{BB962C8B-B14F-4D97-AF65-F5344CB8AC3E}">
-        <p14:creationId xmlns:p14="http://schemas.microsoft.com/office/powerpoint/2010/main" val="4189422420"/>
+        <p14:creationId xmlns:p14="http://schemas.microsoft.com/office/powerpoint/2010/main" xmlns="" val="4189422420"/>
       </p:ext>
     </p:extLst>
   </p:cSld>
@@ -2779,6 +2782,7 @@
           <a:p>
             <a:fld id="{5174927E-2439-42C0-9720-7BBCA09BF46F}" type="slidenum">
               <a:rPr lang="en-CA" smtClean="0"/>
+              <a:pPr/>
               <a:t>‹#›</a:t>
             </a:fld>
             <a:endParaRPr lang="en-CA"/>
@@ -2788,7 +2792,7 @@
     </p:spTree>
     <p:extLst>
       <p:ext uri="{BB962C8B-B14F-4D97-AF65-F5344CB8AC3E}">
-        <p14:creationId xmlns:p14="http://schemas.microsoft.com/office/powerpoint/2010/main" val="3252977898"/>
+        <p14:creationId xmlns:p14="http://schemas.microsoft.com/office/powerpoint/2010/main" xmlns="" val="3252977898"/>
       </p:ext>
     </p:extLst>
   </p:cSld>
@@ -3054,10 +3058,10 @@
           <p:nvPr userDrawn="1"/>
         </p:nvPicPr>
         <p:blipFill>
-          <a:blip r:embed="rId13">
+          <a:blip r:embed="rId13" cstate="print">
             <a:extLst>
               <a:ext uri="{28A0092B-C50C-407E-A947-70E740481C1C}">
-                <a14:useLocalDpi xmlns:a14="http://schemas.microsoft.com/office/drawing/2010/main" val="0"/>
+                <a14:useLocalDpi xmlns:a14="http://schemas.microsoft.com/office/drawing/2010/main" xmlns="" val="0"/>
               </a:ext>
             </a:extLst>
           </a:blip>
@@ -3078,7 +3082,7 @@
     </p:spTree>
     <p:extLst>
       <p:ext uri="{BB962C8B-B14F-4D97-AF65-F5344CB8AC3E}">
-        <p14:creationId xmlns:p14="http://schemas.microsoft.com/office/powerpoint/2010/main" val="4230061028"/>
+        <p14:creationId xmlns:p14="http://schemas.microsoft.com/office/powerpoint/2010/main" xmlns="" val="4230061028"/>
       </p:ext>
     </p:extLst>
   </p:cSld>
@@ -3515,17 +3519,12 @@
           <a:p>
             <a:r>
               <a:rPr lang="en-CA" dirty="0"/>
-              <a:t>Prof: Gregory Mierzwinski</a:t>
-            </a:r>
-            <a:endParaRPr lang="en-CA" baseline="30000" dirty="0"/>
-          </a:p>
-          <a:p>
-            <a:r>
-              <a:rPr lang="en-CA" dirty="0"/>
-              <a:t>Date: January 31, 2022</a:t>
-            </a:r>
-          </a:p>
-          <a:p>
+              <a:t>Prof: Gregory </a:t>
+            </a:r>
+            <a:r>
+              <a:rPr lang="en-CA" dirty="0" err="1" smtClean="0"/>
+              <a:t>Mierzwinski</a:t>
+            </a:r>
             <a:endParaRPr lang="en-CA" dirty="0"/>
           </a:p>
         </p:txBody>
@@ -3535,7 +3534,7 @@
           <p:cNvPr id="13" name="Picture 8" descr="http://osiris.ubishops.ca/~alussier/images/transparentlogo_bu.png">
             <a:extLst>
               <a:ext uri="{FF2B5EF4-FFF2-40B4-BE49-F238E27FC236}">
-                <a16:creationId xmlns:a16="http://schemas.microsoft.com/office/drawing/2014/main" id="{CCB9A035-2F1C-4B96-A5DB-70B72D6E4AD8}"/>
+                <a16:creationId xmlns:a16="http://schemas.microsoft.com/office/drawing/2014/main" xmlns="" id="{CCB9A035-2F1C-4B96-A5DB-70B72D6E4AD8}"/>
               </a:ext>
             </a:extLst>
           </p:cNvPr>
@@ -3545,10 +3544,10 @@
           <p:nvPr/>
         </p:nvPicPr>
         <p:blipFill>
-          <a:blip r:embed="rId3">
+          <a:blip r:embed="rId3" cstate="print">
             <a:extLst>
               <a:ext uri="{28A0092B-C50C-407E-A947-70E740481C1C}">
-                <a14:useLocalDpi xmlns:a14="http://schemas.microsoft.com/office/drawing/2010/main" val="0"/>
+                <a14:useLocalDpi xmlns:a14="http://schemas.microsoft.com/office/drawing/2010/main" xmlns="" val="0"/>
               </a:ext>
             </a:extLst>
           </a:blip>
@@ -3568,7 +3567,7 @@
           <a:noFill/>
           <a:extLst>
             <a:ext uri="{909E8E84-426E-40DD-AFC4-6F175D3DCCD1}">
-              <a14:hiddenFill xmlns:a14="http://schemas.microsoft.com/office/drawing/2010/main">
+              <a14:hiddenFill xmlns:a14="http://schemas.microsoft.com/office/drawing/2010/main" xmlns="">
                 <a:solidFill>
                   <a:srgbClr val="FFFFFF"/>
                 </a:solidFill>
@@ -3580,7 +3579,7 @@
     </p:spTree>
     <p:extLst>
       <p:ext uri="{BB962C8B-B14F-4D97-AF65-F5344CB8AC3E}">
-        <p14:creationId xmlns:p14="http://schemas.microsoft.com/office/powerpoint/2010/main" val="4177077622"/>
+        <p14:creationId xmlns:p14="http://schemas.microsoft.com/office/powerpoint/2010/main" xmlns="" val="4177077622"/>
       </p:ext>
     </p:extLst>
   </p:cSld>
@@ -3668,28 +3667,6 @@
       </p:sp>
       <p:sp>
         <p:nvSpPr>
-          <p:cNvPr id="6" name="Date Placeholder 5"/>
-          <p:cNvSpPr>
-            <a:spLocks noGrp="1"/>
-          </p:cNvSpPr>
-          <p:nvPr>
-            <p:ph type="dt" sz="half" idx="2"/>
-          </p:nvPr>
-        </p:nvSpPr>
-        <p:spPr/>
-        <p:txBody>
-          <a:bodyPr/>
-          <a:lstStyle/>
-          <a:p>
-            <a:r>
-              <a:rPr lang="en-CA" dirty="0"/>
-              <a:t>Winter 2022</a:t>
-            </a:r>
-          </a:p>
-        </p:txBody>
-      </p:sp>
-      <p:sp>
-        <p:nvSpPr>
           <p:cNvPr id="10" name="Footer Placeholder 9"/>
           <p:cNvSpPr>
             <a:spLocks noGrp="1"/>
@@ -3740,7 +3717,7 @@
     </p:spTree>
     <p:extLst>
       <p:ext uri="{BB962C8B-B14F-4D97-AF65-F5344CB8AC3E}">
-        <p14:creationId xmlns:p14="http://schemas.microsoft.com/office/powerpoint/2010/main" val="5545177"/>
+        <p14:creationId xmlns:p14="http://schemas.microsoft.com/office/powerpoint/2010/main" xmlns="" val="5545177"/>
       </p:ext>
     </p:extLst>
   </p:cSld>
@@ -3851,28 +3828,6 @@
       </p:sp>
       <p:sp>
         <p:nvSpPr>
-          <p:cNvPr id="6" name="Date Placeholder 5"/>
-          <p:cNvSpPr>
-            <a:spLocks noGrp="1"/>
-          </p:cNvSpPr>
-          <p:nvPr>
-            <p:ph type="dt" sz="half" idx="2"/>
-          </p:nvPr>
-        </p:nvSpPr>
-        <p:spPr/>
-        <p:txBody>
-          <a:bodyPr/>
-          <a:lstStyle/>
-          <a:p>
-            <a:r>
-              <a:rPr lang="en-CA" dirty="0"/>
-              <a:t>Winter 2022</a:t>
-            </a:r>
-          </a:p>
-        </p:txBody>
-      </p:sp>
-      <p:sp>
-        <p:nvSpPr>
           <p:cNvPr id="10" name="Footer Placeholder 9"/>
           <p:cNvSpPr>
             <a:spLocks noGrp="1"/>
@@ -3923,7 +3878,7 @@
     </p:spTree>
     <p:extLst>
       <p:ext uri="{BB962C8B-B14F-4D97-AF65-F5344CB8AC3E}">
-        <p14:creationId xmlns:p14="http://schemas.microsoft.com/office/powerpoint/2010/main" val="51204498"/>
+        <p14:creationId xmlns:p14="http://schemas.microsoft.com/office/powerpoint/2010/main" xmlns="" val="51204498"/>
       </p:ext>
     </p:extLst>
   </p:cSld>
@@ -3975,28 +3930,6 @@
       </p:sp>
       <p:sp>
         <p:nvSpPr>
-          <p:cNvPr id="6" name="Date Placeholder 5"/>
-          <p:cNvSpPr>
-            <a:spLocks noGrp="1"/>
-          </p:cNvSpPr>
-          <p:nvPr>
-            <p:ph type="dt" sz="half" idx="2"/>
-          </p:nvPr>
-        </p:nvSpPr>
-        <p:spPr/>
-        <p:txBody>
-          <a:bodyPr/>
-          <a:lstStyle/>
-          <a:p>
-            <a:r>
-              <a:rPr lang="en-CA" dirty="0"/>
-              <a:t>Winter 2022</a:t>
-            </a:r>
-          </a:p>
-        </p:txBody>
-      </p:sp>
-      <p:sp>
-        <p:nvSpPr>
           <p:cNvPr id="10" name="Footer Placeholder 9"/>
           <p:cNvSpPr>
             <a:spLocks noGrp="1"/>
@@ -4049,7 +3982,7 @@
           <p:cNvPr id="5" name="Content Placeholder 4">
             <a:extLst>
               <a:ext uri="{FF2B5EF4-FFF2-40B4-BE49-F238E27FC236}">
-                <a16:creationId xmlns:a16="http://schemas.microsoft.com/office/drawing/2014/main" id="{B5B4373F-F08A-4952-B888-9A62A10F9E33}"/>
+                <a16:creationId xmlns:a16="http://schemas.microsoft.com/office/drawing/2014/main" xmlns="" id="{B5B4373F-F08A-4952-B888-9A62A10F9E33}"/>
               </a:ext>
             </a:extLst>
           </p:cNvPr>
@@ -4080,7 +4013,7 @@
           <p:cNvPr id="9" name="Rectangle 3">
             <a:extLst>
               <a:ext uri="{FF2B5EF4-FFF2-40B4-BE49-F238E27FC236}">
-                <a16:creationId xmlns:a16="http://schemas.microsoft.com/office/drawing/2014/main" id="{A3D51EB0-CD8D-4598-BBEA-27B52F6D62D4}"/>
+                <a16:creationId xmlns:a16="http://schemas.microsoft.com/office/drawing/2014/main" xmlns="" id="{A3D51EB0-CD8D-4598-BBEA-27B52F6D62D4}"/>
               </a:ext>
             </a:extLst>
           </p:cNvPr>
@@ -4426,7 +4359,7 @@
           <p:cNvPr id="11" name="AutoShape 4">
             <a:extLst>
               <a:ext uri="{FF2B5EF4-FFF2-40B4-BE49-F238E27FC236}">
-                <a16:creationId xmlns:a16="http://schemas.microsoft.com/office/drawing/2014/main" id="{8F4E8C4C-F94C-46F2-A33D-9621E0E4E28E}"/>
+                <a16:creationId xmlns:a16="http://schemas.microsoft.com/office/drawing/2014/main" xmlns="" id="{8F4E8C4C-F94C-46F2-A33D-9621E0E4E28E}"/>
               </a:ext>
             </a:extLst>
           </p:cNvPr>
@@ -4457,7 +4390,7 @@
           </a:ln>
           <a:extLst>
             <a:ext uri="{909E8E84-426E-40DD-AFC4-6F175D3DCCD1}">
-              <a14:hiddenFill xmlns:a14="http://schemas.microsoft.com/office/drawing/2010/main">
+              <a14:hiddenFill xmlns:a14="http://schemas.microsoft.com/office/drawing/2010/main" xmlns="">
                 <a:solidFill>
                   <a:srgbClr val="FFFFFF"/>
                 </a:solidFill>
@@ -4584,7 +4517,7 @@
           <p:cNvPr id="13" name="Text Box 5">
             <a:extLst>
               <a:ext uri="{FF2B5EF4-FFF2-40B4-BE49-F238E27FC236}">
-                <a16:creationId xmlns:a16="http://schemas.microsoft.com/office/drawing/2014/main" id="{3A0298B4-2E59-466B-B0C9-8214F7B70608}"/>
+                <a16:creationId xmlns:a16="http://schemas.microsoft.com/office/drawing/2014/main" xmlns="" id="{3A0298B4-2E59-466B-B0C9-8214F7B70608}"/>
               </a:ext>
             </a:extLst>
           </p:cNvPr>
@@ -4642,7 +4575,7 @@
           <p:cNvPr id="14" name="AutoShape 6">
             <a:extLst>
               <a:ext uri="{FF2B5EF4-FFF2-40B4-BE49-F238E27FC236}">
-                <a16:creationId xmlns:a16="http://schemas.microsoft.com/office/drawing/2014/main" id="{2FD6867E-889C-4457-82A1-0F3AF276F40C}"/>
+                <a16:creationId xmlns:a16="http://schemas.microsoft.com/office/drawing/2014/main" xmlns="" id="{2FD6867E-889C-4457-82A1-0F3AF276F40C}"/>
               </a:ext>
             </a:extLst>
           </p:cNvPr>
@@ -4673,7 +4606,7 @@
           </a:ln>
           <a:extLst>
             <a:ext uri="{909E8E84-426E-40DD-AFC4-6F175D3DCCD1}">
-              <a14:hiddenFill xmlns:a14="http://schemas.microsoft.com/office/drawing/2010/main">
+              <a14:hiddenFill xmlns:a14="http://schemas.microsoft.com/office/drawing/2010/main" xmlns="">
                 <a:solidFill>
                   <a:srgbClr val="FFFFFF"/>
                 </a:solidFill>
@@ -4800,7 +4733,7 @@
           <p:cNvPr id="15" name="Text Box 7">
             <a:extLst>
               <a:ext uri="{FF2B5EF4-FFF2-40B4-BE49-F238E27FC236}">
-                <a16:creationId xmlns:a16="http://schemas.microsoft.com/office/drawing/2014/main" id="{11088539-2713-417A-BFE1-5258D262296C}"/>
+                <a16:creationId xmlns:a16="http://schemas.microsoft.com/office/drawing/2014/main" xmlns="" id="{11088539-2713-417A-BFE1-5258D262296C}"/>
               </a:ext>
             </a:extLst>
           </p:cNvPr>
@@ -4858,7 +4791,7 @@
           <p:cNvPr id="16" name="AutoShape 4">
             <a:extLst>
               <a:ext uri="{FF2B5EF4-FFF2-40B4-BE49-F238E27FC236}">
-                <a16:creationId xmlns:a16="http://schemas.microsoft.com/office/drawing/2014/main" id="{D06E9E26-8DA8-4013-8829-975BB23A918E}"/>
+                <a16:creationId xmlns:a16="http://schemas.microsoft.com/office/drawing/2014/main" xmlns="" id="{D06E9E26-8DA8-4013-8829-975BB23A918E}"/>
               </a:ext>
             </a:extLst>
           </p:cNvPr>
@@ -4889,7 +4822,7 @@
           </a:ln>
           <a:extLst>
             <a:ext uri="{909E8E84-426E-40DD-AFC4-6F175D3DCCD1}">
-              <a14:hiddenFill xmlns:a14="http://schemas.microsoft.com/office/drawing/2010/main">
+              <a14:hiddenFill xmlns:a14="http://schemas.microsoft.com/office/drawing/2010/main" xmlns="">
                 <a:solidFill>
                   <a:srgbClr val="FFFFFF"/>
                 </a:solidFill>
@@ -5016,7 +4949,7 @@
           <p:cNvPr id="17" name="AutoShape 6">
             <a:extLst>
               <a:ext uri="{FF2B5EF4-FFF2-40B4-BE49-F238E27FC236}">
-                <a16:creationId xmlns:a16="http://schemas.microsoft.com/office/drawing/2014/main" id="{B4518025-17EB-4CCC-B482-7D82D35D62C9}"/>
+                <a16:creationId xmlns:a16="http://schemas.microsoft.com/office/drawing/2014/main" xmlns="" id="{B4518025-17EB-4CCC-B482-7D82D35D62C9}"/>
               </a:ext>
             </a:extLst>
           </p:cNvPr>
@@ -5047,7 +4980,7 @@
           </a:ln>
           <a:extLst>
             <a:ext uri="{909E8E84-426E-40DD-AFC4-6F175D3DCCD1}">
-              <a14:hiddenFill xmlns:a14="http://schemas.microsoft.com/office/drawing/2010/main">
+              <a14:hiddenFill xmlns:a14="http://schemas.microsoft.com/office/drawing/2010/main" xmlns="">
                 <a:solidFill>
                   <a:srgbClr val="FFFFFF"/>
                 </a:solidFill>
@@ -5172,7 +5105,7 @@
     </p:spTree>
     <p:extLst>
       <p:ext uri="{BB962C8B-B14F-4D97-AF65-F5344CB8AC3E}">
-        <p14:creationId xmlns:p14="http://schemas.microsoft.com/office/powerpoint/2010/main" val="3051237241"/>
+        <p14:creationId xmlns:p14="http://schemas.microsoft.com/office/powerpoint/2010/main" xmlns="" val="3051237241"/>
       </p:ext>
     </p:extLst>
   </p:cSld>
@@ -6562,28 +6495,6 @@
       </p:sp>
       <p:sp>
         <p:nvSpPr>
-          <p:cNvPr id="6" name="Date Placeholder 5"/>
-          <p:cNvSpPr>
-            <a:spLocks noGrp="1"/>
-          </p:cNvSpPr>
-          <p:nvPr>
-            <p:ph type="dt" sz="half" idx="2"/>
-          </p:nvPr>
-        </p:nvSpPr>
-        <p:spPr/>
-        <p:txBody>
-          <a:bodyPr/>
-          <a:lstStyle/>
-          <a:p>
-            <a:r>
-              <a:rPr lang="en-CA" dirty="0"/>
-              <a:t>Winter 2022</a:t>
-            </a:r>
-          </a:p>
-        </p:txBody>
-      </p:sp>
-      <p:sp>
-        <p:nvSpPr>
           <p:cNvPr id="10" name="Footer Placeholder 9"/>
           <p:cNvSpPr>
             <a:spLocks noGrp="1"/>
@@ -6634,7 +6545,7 @@
     </p:spTree>
     <p:extLst>
       <p:ext uri="{BB962C8B-B14F-4D97-AF65-F5344CB8AC3E}">
-        <p14:creationId xmlns:p14="http://schemas.microsoft.com/office/powerpoint/2010/main" val="864159094"/>
+        <p14:creationId xmlns:p14="http://schemas.microsoft.com/office/powerpoint/2010/main" xmlns="" val="864159094"/>
       </p:ext>
     </p:extLst>
   </p:cSld>
@@ -6718,28 +6629,6 @@
       </p:sp>
       <p:sp>
         <p:nvSpPr>
-          <p:cNvPr id="6" name="Date Placeholder 5"/>
-          <p:cNvSpPr>
-            <a:spLocks noGrp="1"/>
-          </p:cNvSpPr>
-          <p:nvPr>
-            <p:ph type="dt" sz="half" idx="2"/>
-          </p:nvPr>
-        </p:nvSpPr>
-        <p:spPr/>
-        <p:txBody>
-          <a:bodyPr/>
-          <a:lstStyle/>
-          <a:p>
-            <a:r>
-              <a:rPr lang="en-CA" dirty="0"/>
-              <a:t>Winter 2022</a:t>
-            </a:r>
-          </a:p>
-        </p:txBody>
-      </p:sp>
-      <p:sp>
-        <p:nvSpPr>
           <p:cNvPr id="10" name="Footer Placeholder 9"/>
           <p:cNvSpPr>
             <a:spLocks noGrp="1"/>
@@ -6792,7 +6681,7 @@
           <p:cNvPr id="7" name="Rectangle 3">
             <a:extLst>
               <a:ext uri="{FF2B5EF4-FFF2-40B4-BE49-F238E27FC236}">
-                <a16:creationId xmlns:a16="http://schemas.microsoft.com/office/drawing/2014/main" id="{2AF0DBD9-D611-4119-B91F-DDA7AB3E9C70}"/>
+                <a16:creationId xmlns:a16="http://schemas.microsoft.com/office/drawing/2014/main" xmlns="" id="{2AF0DBD9-D611-4119-B91F-DDA7AB3E9C70}"/>
               </a:ext>
             </a:extLst>
           </p:cNvPr>
@@ -7148,7 +7037,7 @@
           <p:cNvPr id="8" name="Line 4">
             <a:extLst>
               <a:ext uri="{FF2B5EF4-FFF2-40B4-BE49-F238E27FC236}">
-                <a16:creationId xmlns:a16="http://schemas.microsoft.com/office/drawing/2014/main" id="{A67CABD1-85E7-491C-A010-1E1630247104}"/>
+                <a16:creationId xmlns:a16="http://schemas.microsoft.com/office/drawing/2014/main" xmlns="" id="{A67CABD1-85E7-491C-A010-1E1630247104}"/>
               </a:ext>
             </a:extLst>
           </p:cNvPr>
@@ -7176,7 +7065,7 @@
           </a:ln>
           <a:extLst>
             <a:ext uri="{909E8E84-426E-40DD-AFC4-6F175D3DCCD1}">
-              <a14:hiddenFill xmlns:a14="http://schemas.microsoft.com/office/drawing/2010/main">
+              <a14:hiddenFill xmlns:a14="http://schemas.microsoft.com/office/drawing/2010/main" xmlns="">
                 <a:noFill/>
               </a14:hiddenFill>
             </a:ext>
@@ -7195,7 +7084,7 @@
           <p:cNvPr id="9" name="Line 5">
             <a:extLst>
               <a:ext uri="{FF2B5EF4-FFF2-40B4-BE49-F238E27FC236}">
-                <a16:creationId xmlns:a16="http://schemas.microsoft.com/office/drawing/2014/main" id="{5452870E-A382-4BA5-A833-EEDAC3AED2CA}"/>
+                <a16:creationId xmlns:a16="http://schemas.microsoft.com/office/drawing/2014/main" xmlns="" id="{5452870E-A382-4BA5-A833-EEDAC3AED2CA}"/>
               </a:ext>
             </a:extLst>
           </p:cNvPr>
@@ -7223,7 +7112,7 @@
           </a:ln>
           <a:extLst>
             <a:ext uri="{909E8E84-426E-40DD-AFC4-6F175D3DCCD1}">
-              <a14:hiddenFill xmlns:a14="http://schemas.microsoft.com/office/drawing/2010/main">
+              <a14:hiddenFill xmlns:a14="http://schemas.microsoft.com/office/drawing/2010/main" xmlns="">
                 <a:noFill/>
               </a14:hiddenFill>
             </a:ext>
@@ -7242,7 +7131,7 @@
           <p:cNvPr id="11" name="Line 7">
             <a:extLst>
               <a:ext uri="{FF2B5EF4-FFF2-40B4-BE49-F238E27FC236}">
-                <a16:creationId xmlns:a16="http://schemas.microsoft.com/office/drawing/2014/main" id="{4FEEA0CF-88DC-45B0-BEC3-1E0F49A3D1C3}"/>
+                <a16:creationId xmlns:a16="http://schemas.microsoft.com/office/drawing/2014/main" xmlns="" id="{4FEEA0CF-88DC-45B0-BEC3-1E0F49A3D1C3}"/>
               </a:ext>
             </a:extLst>
           </p:cNvPr>
@@ -7271,7 +7160,7 @@
           </a:ln>
           <a:extLst>
             <a:ext uri="{909E8E84-426E-40DD-AFC4-6F175D3DCCD1}">
-              <a14:hiddenFill xmlns:a14="http://schemas.microsoft.com/office/drawing/2010/main">
+              <a14:hiddenFill xmlns:a14="http://schemas.microsoft.com/office/drawing/2010/main" xmlns="">
                 <a:noFill/>
               </a14:hiddenFill>
             </a:ext>
@@ -7288,7 +7177,7 @@
     </p:spTree>
     <p:extLst>
       <p:ext uri="{BB962C8B-B14F-4D97-AF65-F5344CB8AC3E}">
-        <p14:creationId xmlns:p14="http://schemas.microsoft.com/office/powerpoint/2010/main" val="3697179564"/>
+        <p14:creationId xmlns:p14="http://schemas.microsoft.com/office/powerpoint/2010/main" xmlns="" val="3697179564"/>
       </p:ext>
     </p:extLst>
   </p:cSld>
@@ -7398,28 +7287,6 @@
       </p:sp>
       <p:sp>
         <p:nvSpPr>
-          <p:cNvPr id="6" name="Date Placeholder 5"/>
-          <p:cNvSpPr>
-            <a:spLocks noGrp="1"/>
-          </p:cNvSpPr>
-          <p:nvPr>
-            <p:ph type="dt" sz="half" idx="2"/>
-          </p:nvPr>
-        </p:nvSpPr>
-        <p:spPr/>
-        <p:txBody>
-          <a:bodyPr/>
-          <a:lstStyle/>
-          <a:p>
-            <a:r>
-              <a:rPr lang="en-CA" dirty="0"/>
-              <a:t>Winter 2022</a:t>
-            </a:r>
-          </a:p>
-        </p:txBody>
-      </p:sp>
-      <p:sp>
-        <p:nvSpPr>
           <p:cNvPr id="10" name="Footer Placeholder 9"/>
           <p:cNvSpPr>
             <a:spLocks noGrp="1"/>
@@ -7472,7 +7339,7 @@
           <p:cNvPr id="7" name="Picture 4">
             <a:extLst>
               <a:ext uri="{FF2B5EF4-FFF2-40B4-BE49-F238E27FC236}">
-                <a16:creationId xmlns:a16="http://schemas.microsoft.com/office/drawing/2014/main" id="{F4955E63-53A8-4D1B-8C79-2FE2A8708B90}"/>
+                <a16:creationId xmlns:a16="http://schemas.microsoft.com/office/drawing/2014/main" xmlns="" id="{F4955E63-53A8-4D1B-8C79-2FE2A8708B90}"/>
               </a:ext>
             </a:extLst>
           </p:cNvPr>
@@ -7485,7 +7352,7 @@
           <a:blip r:embed="rId2">
             <a:extLst>
               <a:ext uri="{28A0092B-C50C-407E-A947-70E740481C1C}">
-                <a14:useLocalDpi xmlns:a14="http://schemas.microsoft.com/office/drawing/2010/main" val="0"/>
+                <a14:useLocalDpi xmlns:a14="http://schemas.microsoft.com/office/drawing/2010/main" xmlns="" val="0"/>
               </a:ext>
             </a:extLst>
           </a:blip>
@@ -7508,14 +7375,14 @@
           </a:ln>
           <a:extLst>
             <a:ext uri="{909E8E84-426E-40DD-AFC4-6F175D3DCCD1}">
-              <a14:hiddenFill xmlns:a14="http://schemas.microsoft.com/office/drawing/2010/main">
+              <a14:hiddenFill xmlns:a14="http://schemas.microsoft.com/office/drawing/2010/main" xmlns="">
                 <a:solidFill>
                   <a:srgbClr val="FFFFFF"/>
                 </a:solidFill>
               </a14:hiddenFill>
             </a:ext>
             <a:ext uri="{91240B29-F687-4F45-9708-019B960494DF}">
-              <a14:hiddenLine xmlns:a14="http://schemas.microsoft.com/office/drawing/2010/main" w="12700">
+              <a14:hiddenLine xmlns:a14="http://schemas.microsoft.com/office/drawing/2010/main" xmlns="" w="12700">
                 <a:solidFill>
                   <a:srgbClr val="000000"/>
                 </a:solidFill>
@@ -7530,7 +7397,7 @@
     </p:spTree>
     <p:extLst>
       <p:ext uri="{BB962C8B-B14F-4D97-AF65-F5344CB8AC3E}">
-        <p14:creationId xmlns:p14="http://schemas.microsoft.com/office/powerpoint/2010/main" val="484508722"/>
+        <p14:creationId xmlns:p14="http://schemas.microsoft.com/office/powerpoint/2010/main" xmlns="" val="484508722"/>
       </p:ext>
     </p:extLst>
   </p:cSld>
@@ -7646,28 +7513,6 @@
       </p:sp>
       <p:sp>
         <p:nvSpPr>
-          <p:cNvPr id="6" name="Date Placeholder 5"/>
-          <p:cNvSpPr>
-            <a:spLocks noGrp="1"/>
-          </p:cNvSpPr>
-          <p:nvPr>
-            <p:ph type="dt" sz="half" idx="2"/>
-          </p:nvPr>
-        </p:nvSpPr>
-        <p:spPr/>
-        <p:txBody>
-          <a:bodyPr/>
-          <a:lstStyle/>
-          <a:p>
-            <a:r>
-              <a:rPr lang="en-CA" dirty="0"/>
-              <a:t>Winter 2022</a:t>
-            </a:r>
-          </a:p>
-        </p:txBody>
-      </p:sp>
-      <p:sp>
-        <p:nvSpPr>
           <p:cNvPr id="10" name="Footer Placeholder 9"/>
           <p:cNvSpPr>
             <a:spLocks noGrp="1"/>
@@ -7718,7 +7563,7 @@
     </p:spTree>
     <p:extLst>
       <p:ext uri="{BB962C8B-B14F-4D97-AF65-F5344CB8AC3E}">
-        <p14:creationId xmlns:p14="http://schemas.microsoft.com/office/powerpoint/2010/main" val="2338802847"/>
+        <p14:creationId xmlns:p14="http://schemas.microsoft.com/office/powerpoint/2010/main" xmlns="" val="2338802847"/>
       </p:ext>
     </p:extLst>
   </p:cSld>
@@ -7820,28 +7665,6 @@
       </p:sp>
       <p:sp>
         <p:nvSpPr>
-          <p:cNvPr id="6" name="Date Placeholder 5"/>
-          <p:cNvSpPr>
-            <a:spLocks noGrp="1"/>
-          </p:cNvSpPr>
-          <p:nvPr>
-            <p:ph type="dt" sz="half" idx="2"/>
-          </p:nvPr>
-        </p:nvSpPr>
-        <p:spPr/>
-        <p:txBody>
-          <a:bodyPr/>
-          <a:lstStyle/>
-          <a:p>
-            <a:r>
-              <a:rPr lang="en-CA" dirty="0"/>
-              <a:t>Winter 2022</a:t>
-            </a:r>
-          </a:p>
-        </p:txBody>
-      </p:sp>
-      <p:sp>
-        <p:nvSpPr>
           <p:cNvPr id="10" name="Footer Placeholder 9"/>
           <p:cNvSpPr>
             <a:spLocks noGrp="1"/>
@@ -7894,7 +7717,7 @@
           <p:cNvPr id="7" name="Text Box 4">
             <a:extLst>
               <a:ext uri="{FF2B5EF4-FFF2-40B4-BE49-F238E27FC236}">
-                <a16:creationId xmlns:a16="http://schemas.microsoft.com/office/drawing/2014/main" id="{AC2F68B8-DBF2-46DB-9477-312F34305478}"/>
+                <a16:creationId xmlns:a16="http://schemas.microsoft.com/office/drawing/2014/main" xmlns="" id="{AC2F68B8-DBF2-46DB-9477-312F34305478}"/>
               </a:ext>
             </a:extLst>
           </p:cNvPr>
@@ -7922,7 +7745,7 @@
           </a:ln>
           <a:extLst>
             <a:ext uri="{909E8E84-426E-40DD-AFC4-6F175D3DCCD1}">
-              <a14:hiddenFill xmlns:a14="http://schemas.microsoft.com/office/drawing/2010/main">
+              <a14:hiddenFill xmlns:a14="http://schemas.microsoft.com/office/drawing/2010/main" xmlns="">
                 <a:solidFill>
                   <a:srgbClr val="FFFFFF"/>
                 </a:solidFill>
@@ -8201,7 +8024,7 @@
           <p:cNvPr id="8" name="Line 5">
             <a:extLst>
               <a:ext uri="{FF2B5EF4-FFF2-40B4-BE49-F238E27FC236}">
-                <a16:creationId xmlns:a16="http://schemas.microsoft.com/office/drawing/2014/main" id="{AC0353F0-9EB6-4270-B1BB-E4986E204E94}"/>
+                <a16:creationId xmlns:a16="http://schemas.microsoft.com/office/drawing/2014/main" xmlns="" id="{AC0353F0-9EB6-4270-B1BB-E4986E204E94}"/>
               </a:ext>
             </a:extLst>
           </p:cNvPr>
@@ -8229,7 +8052,7 @@
           </a:ln>
           <a:extLst>
             <a:ext uri="{909E8E84-426E-40DD-AFC4-6F175D3DCCD1}">
-              <a14:hiddenFill xmlns:a14="http://schemas.microsoft.com/office/drawing/2010/main">
+              <a14:hiddenFill xmlns:a14="http://schemas.microsoft.com/office/drawing/2010/main" xmlns="">
                 <a:noFill/>
               </a14:hiddenFill>
             </a:ext>
@@ -8248,7 +8071,7 @@
           <p:cNvPr id="9" name="Picture 7" descr="composition">
             <a:extLst>
               <a:ext uri="{FF2B5EF4-FFF2-40B4-BE49-F238E27FC236}">
-                <a16:creationId xmlns:a16="http://schemas.microsoft.com/office/drawing/2014/main" id="{F63FD8D9-C954-4DC7-82D1-34A1DCC0DA88}"/>
+                <a16:creationId xmlns:a16="http://schemas.microsoft.com/office/drawing/2014/main" xmlns="" id="{F63FD8D9-C954-4DC7-82D1-34A1DCC0DA88}"/>
               </a:ext>
             </a:extLst>
           </p:cNvPr>
@@ -8261,7 +8084,7 @@
           <a:blip r:embed="rId2">
             <a:extLst>
               <a:ext uri="{28A0092B-C50C-407E-A947-70E740481C1C}">
-                <a14:useLocalDpi xmlns:a14="http://schemas.microsoft.com/office/drawing/2010/main" val="0"/>
+                <a14:useLocalDpi xmlns:a14="http://schemas.microsoft.com/office/drawing/2010/main" xmlns="" val="0"/>
               </a:ext>
             </a:extLst>
           </a:blip>
@@ -8284,14 +8107,14 @@
           </a:ln>
           <a:extLst>
             <a:ext uri="{909E8E84-426E-40DD-AFC4-6F175D3DCCD1}">
-              <a14:hiddenFill xmlns:a14="http://schemas.microsoft.com/office/drawing/2010/main">
+              <a14:hiddenFill xmlns:a14="http://schemas.microsoft.com/office/drawing/2010/main" xmlns="">
                 <a:solidFill>
                   <a:srgbClr val="FFFFFF"/>
                 </a:solidFill>
               </a14:hiddenFill>
             </a:ext>
             <a:ext uri="{91240B29-F687-4F45-9708-019B960494DF}">
-              <a14:hiddenLine xmlns:a14="http://schemas.microsoft.com/office/drawing/2010/main" w="9525">
+              <a14:hiddenLine xmlns:a14="http://schemas.microsoft.com/office/drawing/2010/main" xmlns="" w="9525">
                 <a:solidFill>
                   <a:srgbClr val="000000"/>
                 </a:solidFill>
@@ -8306,7 +8129,7 @@
     </p:spTree>
     <p:extLst>
       <p:ext uri="{BB962C8B-B14F-4D97-AF65-F5344CB8AC3E}">
-        <p14:creationId xmlns:p14="http://schemas.microsoft.com/office/powerpoint/2010/main" val="2288757145"/>
+        <p14:creationId xmlns:p14="http://schemas.microsoft.com/office/powerpoint/2010/main" xmlns="" val="2288757145"/>
       </p:ext>
     </p:extLst>
   </p:cSld>
@@ -8359,7 +8182,7 @@
     </a:clrScheme>
     <a:fontScheme name="Office">
       <a:majorFont>
-        <a:latin typeface="Calibri Light" panose="020F0302020204030204"/>
+        <a:latin typeface="Calibri Light"/>
         <a:ea typeface=""/>
         <a:cs typeface=""/>
         <a:font script="Jpan" typeface="游ゴシック Light"/>
@@ -8411,7 +8234,7 @@
         <a:font script="Tfng" typeface="Ebrima"/>
       </a:majorFont>
       <a:minorFont>
-        <a:latin typeface="Calibri" panose="020F0502020204030204"/>
+        <a:latin typeface="Calibri"/>
         <a:ea typeface=""/>
         <a:cs typeface=""/>
         <a:font script="Jpan" typeface="游ゴシック"/>
@@ -8605,7 +8428,7 @@
   <a:extraClrSchemeLst/>
   <a:extLst>
     <a:ext uri="{05A4C25C-085E-4340-85A3-A5531E510DB2}">
-      <thm15:themeFamily xmlns:thm15="http://schemas.microsoft.com/office/thememl/2012/main" name="eye_tracker_presentation" id="{00ED1D97-A04B-46A0-BB71-88655A6B057F}" vid="{F36189FA-3966-4852-951E-5734674D1C7B}"/>
+      <thm15:themeFamily xmlns:thm15="http://schemas.microsoft.com/office/thememl/2012/main" xmlns="" name="eye_tracker_presentation" id="{00ED1D97-A04B-46A0-BB71-88655A6B057F}" vid="{F36189FA-3966-4852-951E-5734674D1C7B}"/>
     </a:ext>
   </a:extLst>
 </a:theme>
@@ -8654,7 +8477,7 @@
     </a:clrScheme>
     <a:fontScheme name="Office">
       <a:majorFont>
-        <a:latin typeface="Calibri Light" panose="020F0302020204030204"/>
+        <a:latin typeface="Calibri Light"/>
         <a:ea typeface=""/>
         <a:cs typeface=""/>
         <a:font script="Jpan" typeface="游ゴシック Light"/>
@@ -8706,7 +8529,7 @@
         <a:font script="Tfng" typeface="Ebrima"/>
       </a:majorFont>
       <a:minorFont>
-        <a:latin typeface="Calibri" panose="020F0502020204030204"/>
+        <a:latin typeface="Calibri"/>
         <a:ea typeface=""/>
         <a:cs typeface=""/>
         <a:font script="Jpan" typeface="游ゴシック"/>
@@ -8900,7 +8723,7 @@
   <a:extraClrSchemeLst/>
   <a:extLst>
     <a:ext uri="{05A4C25C-085E-4340-85A3-A5531E510DB2}">
-      <thm15:themeFamily xmlns:thm15="http://schemas.microsoft.com/office/thememl/2012/main" name="Office Theme" id="{62F939B6-93AF-4DB8-9C6B-D6C7DFDC589F}" vid="{4A3C46E8-61CC-4603-A589-7422A47A8E4A}"/>
+      <thm15:themeFamily xmlns:thm15="http://schemas.microsoft.com/office/thememl/2012/main" xmlns="" name="Office Theme" id="{62F939B6-93AF-4DB8-9C6B-D6C7DFDC589F}" vid="{4A3C46E8-61CC-4603-A589-7422A47A8E4A}"/>
     </a:ext>
   </a:extLst>
 </a:theme>

--- a/bishops/cs321/resources/CS321_Lecture_08A.pptx
+++ b/bishops/cs321/resources/CS321_Lecture_08A.pptx
@@ -117,7 +117,7 @@
   </p:defaultTextStyle>
   <p:extLst>
     <p:ext uri="{EFAFB233-063F-42B5-8137-9DF3F51BA10A}">
-      <p15:sldGuideLst xmlns:p15="http://schemas.microsoft.com/office/powerpoint/2012/main" xmlns=""/>
+      <p15:sldGuideLst xmlns="" xmlns:p15="http://schemas.microsoft.com/office/powerpoint/2012/main"/>
     </p:ext>
   </p:extLst>
 </p:presentation>
@@ -128,7 +128,7 @@
   <p:cmAuthor id="1" name="Gregory" initials="G" lastIdx="1" clrIdx="0">
     <p:extLst>
       <p:ext uri="{19B8F6BF-5375-455C-9EA6-DF929625EA0E}">
-        <p15:presenceInfo xmlns:p15="http://schemas.microsoft.com/office/powerpoint/2012/main" xmlns="" userId="Gregory" providerId="None"/>
+        <p15:presenceInfo xmlns="" xmlns:p15="http://schemas.microsoft.com/office/powerpoint/2012/main" userId="Gregory" providerId="None"/>
       </p:ext>
     </p:extLst>
   </p:cmAuthor>
@@ -218,7 +218,7 @@
             <a:fld id="{A6583E9D-07AB-4C6D-BFD0-47E805C6B3D4}" type="datetimeFigureOut">
               <a:rPr lang="en-CA" smtClean="0"/>
               <a:pPr/>
-              <a:t>2025-01-05</a:t>
+              <a:t>2025-02-06</a:t>
             </a:fld>
             <a:endParaRPr lang="en-CA"/>
           </a:p>
@@ -387,7 +387,7 @@
     </p:spTree>
     <p:extLst>
       <p:ext uri="{BB962C8B-B14F-4D97-AF65-F5344CB8AC3E}">
-        <p14:creationId xmlns:p14="http://schemas.microsoft.com/office/powerpoint/2010/main" xmlns="" val="4237529172"/>
+        <p14:creationId xmlns="" xmlns:p14="http://schemas.microsoft.com/office/powerpoint/2010/main" val="4237529172"/>
       </p:ext>
     </p:extLst>
   </p:cSld>
@@ -562,7 +562,7 @@
     </p:spTree>
     <p:extLst>
       <p:ext uri="{BB962C8B-B14F-4D97-AF65-F5344CB8AC3E}">
-        <p14:creationId xmlns:p14="http://schemas.microsoft.com/office/powerpoint/2010/main" xmlns="" val="2340334442"/>
+        <p14:creationId xmlns="" xmlns:p14="http://schemas.microsoft.com/office/powerpoint/2010/main" val="2340334442"/>
       </p:ext>
     </p:extLst>
   </p:cSld>
@@ -766,7 +766,7 @@
     </p:spTree>
     <p:extLst>
       <p:ext uri="{BB962C8B-B14F-4D97-AF65-F5344CB8AC3E}">
-        <p14:creationId xmlns:p14="http://schemas.microsoft.com/office/powerpoint/2010/main" xmlns="" val="1900560834"/>
+        <p14:creationId xmlns="" xmlns:p14="http://schemas.microsoft.com/office/powerpoint/2010/main" val="1900560834"/>
       </p:ext>
     </p:extLst>
   </p:cSld>
@@ -940,7 +940,7 @@
     </p:spTree>
     <p:extLst>
       <p:ext uri="{BB962C8B-B14F-4D97-AF65-F5344CB8AC3E}">
-        <p14:creationId xmlns:p14="http://schemas.microsoft.com/office/powerpoint/2010/main" xmlns="" val="3722958745"/>
+        <p14:creationId xmlns="" xmlns:p14="http://schemas.microsoft.com/office/powerpoint/2010/main" val="3722958745"/>
       </p:ext>
     </p:extLst>
   </p:cSld>
@@ -1176,7 +1176,7 @@
     </p:spTree>
     <p:extLst>
       <p:ext uri="{BB962C8B-B14F-4D97-AF65-F5344CB8AC3E}">
-        <p14:creationId xmlns:p14="http://schemas.microsoft.com/office/powerpoint/2010/main" xmlns="" val="1822376042"/>
+        <p14:creationId xmlns="" xmlns:p14="http://schemas.microsoft.com/office/powerpoint/2010/main" val="1822376042"/>
       </p:ext>
     </p:extLst>
   </p:cSld>
@@ -1426,7 +1426,7 @@
     </p:spTree>
     <p:extLst>
       <p:ext uri="{BB962C8B-B14F-4D97-AF65-F5344CB8AC3E}">
-        <p14:creationId xmlns:p14="http://schemas.microsoft.com/office/powerpoint/2010/main" xmlns="" val="3411672561"/>
+        <p14:creationId xmlns="" xmlns:p14="http://schemas.microsoft.com/office/powerpoint/2010/main" val="3411672561"/>
       </p:ext>
     </p:extLst>
   </p:cSld>
@@ -1662,7 +1662,7 @@
     </p:spTree>
     <p:extLst>
       <p:ext uri="{BB962C8B-B14F-4D97-AF65-F5344CB8AC3E}">
-        <p14:creationId xmlns:p14="http://schemas.microsoft.com/office/powerpoint/2010/main" xmlns="" val="1093008526"/>
+        <p14:creationId xmlns="" xmlns:p14="http://schemas.microsoft.com/office/powerpoint/2010/main" val="1093008526"/>
       </p:ext>
     </p:extLst>
   </p:cSld>
@@ -2033,7 +2033,7 @@
     </p:spTree>
     <p:extLst>
       <p:ext uri="{BB962C8B-B14F-4D97-AF65-F5344CB8AC3E}">
-        <p14:creationId xmlns:p14="http://schemas.microsoft.com/office/powerpoint/2010/main" xmlns="" val="1087924878"/>
+        <p14:creationId xmlns="" xmlns:p14="http://schemas.microsoft.com/office/powerpoint/2010/main" val="1087924878"/>
       </p:ext>
     </p:extLst>
   </p:cSld>
@@ -2155,7 +2155,7 @@
     </p:spTree>
     <p:extLst>
       <p:ext uri="{BB962C8B-B14F-4D97-AF65-F5344CB8AC3E}">
-        <p14:creationId xmlns:p14="http://schemas.microsoft.com/office/powerpoint/2010/main" xmlns="" val="3802387408"/>
+        <p14:creationId xmlns="" xmlns:p14="http://schemas.microsoft.com/office/powerpoint/2010/main" val="3802387408"/>
       </p:ext>
     </p:extLst>
   </p:cSld>
@@ -2254,7 +2254,7 @@
     </p:spTree>
     <p:extLst>
       <p:ext uri="{BB962C8B-B14F-4D97-AF65-F5344CB8AC3E}">
-        <p14:creationId xmlns:p14="http://schemas.microsoft.com/office/powerpoint/2010/main" xmlns="" val="4234091411"/>
+        <p14:creationId xmlns="" xmlns:p14="http://schemas.microsoft.com/office/powerpoint/2010/main" val="4234091411"/>
       </p:ext>
     </p:extLst>
   </p:cSld>
@@ -2535,7 +2535,7 @@
     </p:spTree>
     <p:extLst>
       <p:ext uri="{BB962C8B-B14F-4D97-AF65-F5344CB8AC3E}">
-        <p14:creationId xmlns:p14="http://schemas.microsoft.com/office/powerpoint/2010/main" xmlns="" val="4189422420"/>
+        <p14:creationId xmlns="" xmlns:p14="http://schemas.microsoft.com/office/powerpoint/2010/main" val="4189422420"/>
       </p:ext>
     </p:extLst>
   </p:cSld>
@@ -2792,7 +2792,7 @@
     </p:spTree>
     <p:extLst>
       <p:ext uri="{BB962C8B-B14F-4D97-AF65-F5344CB8AC3E}">
-        <p14:creationId xmlns:p14="http://schemas.microsoft.com/office/powerpoint/2010/main" xmlns="" val="3252977898"/>
+        <p14:creationId xmlns="" xmlns:p14="http://schemas.microsoft.com/office/powerpoint/2010/main" val="3252977898"/>
       </p:ext>
     </p:extLst>
   </p:cSld>
@@ -3061,7 +3061,7 @@
           <a:blip r:embed="rId13" cstate="print">
             <a:extLst>
               <a:ext uri="{28A0092B-C50C-407E-A947-70E740481C1C}">
-                <a14:useLocalDpi xmlns:a14="http://schemas.microsoft.com/office/drawing/2010/main" xmlns="" val="0"/>
+                <a14:useLocalDpi xmlns="" xmlns:a14="http://schemas.microsoft.com/office/drawing/2010/main" val="0"/>
               </a:ext>
             </a:extLst>
           </a:blip>
@@ -3082,7 +3082,7 @@
     </p:spTree>
     <p:extLst>
       <p:ext uri="{BB962C8B-B14F-4D97-AF65-F5344CB8AC3E}">
-        <p14:creationId xmlns:p14="http://schemas.microsoft.com/office/powerpoint/2010/main" xmlns="" val="4230061028"/>
+        <p14:creationId xmlns="" xmlns:p14="http://schemas.microsoft.com/office/powerpoint/2010/main" val="4230061028"/>
       </p:ext>
     </p:extLst>
   </p:cSld>
@@ -3534,7 +3534,7 @@
           <p:cNvPr id="13" name="Picture 8" descr="http://osiris.ubishops.ca/~alussier/images/transparentlogo_bu.png">
             <a:extLst>
               <a:ext uri="{FF2B5EF4-FFF2-40B4-BE49-F238E27FC236}">
-                <a16:creationId xmlns:a16="http://schemas.microsoft.com/office/drawing/2014/main" xmlns="" id="{CCB9A035-2F1C-4B96-A5DB-70B72D6E4AD8}"/>
+                <a16:creationId xmlns="" xmlns:a16="http://schemas.microsoft.com/office/drawing/2014/main" id="{CCB9A035-2F1C-4B96-A5DB-70B72D6E4AD8}"/>
               </a:ext>
             </a:extLst>
           </p:cNvPr>
@@ -3547,7 +3547,7 @@
           <a:blip r:embed="rId3" cstate="print">
             <a:extLst>
               <a:ext uri="{28A0092B-C50C-407E-A947-70E740481C1C}">
-                <a14:useLocalDpi xmlns:a14="http://schemas.microsoft.com/office/drawing/2010/main" xmlns="" val="0"/>
+                <a14:useLocalDpi xmlns="" xmlns:a14="http://schemas.microsoft.com/office/drawing/2010/main" val="0"/>
               </a:ext>
             </a:extLst>
           </a:blip>
@@ -3567,7 +3567,7 @@
           <a:noFill/>
           <a:extLst>
             <a:ext uri="{909E8E84-426E-40DD-AFC4-6F175D3DCCD1}">
-              <a14:hiddenFill xmlns:a14="http://schemas.microsoft.com/office/drawing/2010/main" xmlns="">
+              <a14:hiddenFill xmlns="" xmlns:a14="http://schemas.microsoft.com/office/drawing/2010/main">
                 <a:solidFill>
                   <a:srgbClr val="FFFFFF"/>
                 </a:solidFill>
@@ -3579,7 +3579,7 @@
     </p:spTree>
     <p:extLst>
       <p:ext uri="{BB962C8B-B14F-4D97-AF65-F5344CB8AC3E}">
-        <p14:creationId xmlns:p14="http://schemas.microsoft.com/office/powerpoint/2010/main" xmlns="" val="4177077622"/>
+        <p14:creationId xmlns="" xmlns:p14="http://schemas.microsoft.com/office/powerpoint/2010/main" val="4177077622"/>
       </p:ext>
     </p:extLst>
   </p:cSld>
@@ -3646,20 +3646,8 @@
           <a:lstStyle/>
           <a:p>
             <a:r>
-              <a:rPr lang="en-CA" dirty="0"/>
+              <a:rPr lang="en-CA" smtClean="0"/>
               <a:t>UML</a:t>
-            </a:r>
-          </a:p>
-          <a:p>
-            <a:r>
-              <a:rPr lang="en-CA" dirty="0"/>
-              <a:t>Git</a:t>
-            </a:r>
-          </a:p>
-          <a:p>
-            <a:r>
-              <a:rPr lang="en-CA" dirty="0" err="1"/>
-              <a:t>Github</a:t>
             </a:r>
             <a:endParaRPr lang="en-CA" dirty="0"/>
           </a:p>
@@ -3717,7 +3705,7 @@
     </p:spTree>
     <p:extLst>
       <p:ext uri="{BB962C8B-B14F-4D97-AF65-F5344CB8AC3E}">
-        <p14:creationId xmlns:p14="http://schemas.microsoft.com/office/powerpoint/2010/main" xmlns="" val="5545177"/>
+        <p14:creationId xmlns="" xmlns:p14="http://schemas.microsoft.com/office/powerpoint/2010/main" val="5545177"/>
       </p:ext>
     </p:extLst>
   </p:cSld>
@@ -3878,7 +3866,7 @@
     </p:spTree>
     <p:extLst>
       <p:ext uri="{BB962C8B-B14F-4D97-AF65-F5344CB8AC3E}">
-        <p14:creationId xmlns:p14="http://schemas.microsoft.com/office/powerpoint/2010/main" xmlns="" val="51204498"/>
+        <p14:creationId xmlns="" xmlns:p14="http://schemas.microsoft.com/office/powerpoint/2010/main" val="51204498"/>
       </p:ext>
     </p:extLst>
   </p:cSld>
@@ -3982,7 +3970,7 @@
           <p:cNvPr id="5" name="Content Placeholder 4">
             <a:extLst>
               <a:ext uri="{FF2B5EF4-FFF2-40B4-BE49-F238E27FC236}">
-                <a16:creationId xmlns:a16="http://schemas.microsoft.com/office/drawing/2014/main" xmlns="" id="{B5B4373F-F08A-4952-B888-9A62A10F9E33}"/>
+                <a16:creationId xmlns="" xmlns:a16="http://schemas.microsoft.com/office/drawing/2014/main" id="{B5B4373F-F08A-4952-B888-9A62A10F9E33}"/>
               </a:ext>
             </a:extLst>
           </p:cNvPr>
@@ -4013,7 +4001,7 @@
           <p:cNvPr id="9" name="Rectangle 3">
             <a:extLst>
               <a:ext uri="{FF2B5EF4-FFF2-40B4-BE49-F238E27FC236}">
-                <a16:creationId xmlns:a16="http://schemas.microsoft.com/office/drawing/2014/main" xmlns="" id="{A3D51EB0-CD8D-4598-BBEA-27B52F6D62D4}"/>
+                <a16:creationId xmlns="" xmlns:a16="http://schemas.microsoft.com/office/drawing/2014/main" id="{A3D51EB0-CD8D-4598-BBEA-27B52F6D62D4}"/>
               </a:ext>
             </a:extLst>
           </p:cNvPr>
@@ -4359,7 +4347,7 @@
           <p:cNvPr id="11" name="AutoShape 4">
             <a:extLst>
               <a:ext uri="{FF2B5EF4-FFF2-40B4-BE49-F238E27FC236}">
-                <a16:creationId xmlns:a16="http://schemas.microsoft.com/office/drawing/2014/main" xmlns="" id="{8F4E8C4C-F94C-46F2-A33D-9621E0E4E28E}"/>
+                <a16:creationId xmlns="" xmlns:a16="http://schemas.microsoft.com/office/drawing/2014/main" id="{8F4E8C4C-F94C-46F2-A33D-9621E0E4E28E}"/>
               </a:ext>
             </a:extLst>
           </p:cNvPr>
@@ -4390,7 +4378,7 @@
           </a:ln>
           <a:extLst>
             <a:ext uri="{909E8E84-426E-40DD-AFC4-6F175D3DCCD1}">
-              <a14:hiddenFill xmlns:a14="http://schemas.microsoft.com/office/drawing/2010/main" xmlns="">
+              <a14:hiddenFill xmlns="" xmlns:a14="http://schemas.microsoft.com/office/drawing/2010/main">
                 <a:solidFill>
                   <a:srgbClr val="FFFFFF"/>
                 </a:solidFill>
@@ -4517,7 +4505,7 @@
           <p:cNvPr id="13" name="Text Box 5">
             <a:extLst>
               <a:ext uri="{FF2B5EF4-FFF2-40B4-BE49-F238E27FC236}">
-                <a16:creationId xmlns:a16="http://schemas.microsoft.com/office/drawing/2014/main" xmlns="" id="{3A0298B4-2E59-466B-B0C9-8214F7B70608}"/>
+                <a16:creationId xmlns="" xmlns:a16="http://schemas.microsoft.com/office/drawing/2014/main" id="{3A0298B4-2E59-466B-B0C9-8214F7B70608}"/>
               </a:ext>
             </a:extLst>
           </p:cNvPr>
@@ -4575,7 +4563,7 @@
           <p:cNvPr id="14" name="AutoShape 6">
             <a:extLst>
               <a:ext uri="{FF2B5EF4-FFF2-40B4-BE49-F238E27FC236}">
-                <a16:creationId xmlns:a16="http://schemas.microsoft.com/office/drawing/2014/main" xmlns="" id="{2FD6867E-889C-4457-82A1-0F3AF276F40C}"/>
+                <a16:creationId xmlns="" xmlns:a16="http://schemas.microsoft.com/office/drawing/2014/main" id="{2FD6867E-889C-4457-82A1-0F3AF276F40C}"/>
               </a:ext>
             </a:extLst>
           </p:cNvPr>
@@ -4606,7 +4594,7 @@
           </a:ln>
           <a:extLst>
             <a:ext uri="{909E8E84-426E-40DD-AFC4-6F175D3DCCD1}">
-              <a14:hiddenFill xmlns:a14="http://schemas.microsoft.com/office/drawing/2010/main" xmlns="">
+              <a14:hiddenFill xmlns="" xmlns:a14="http://schemas.microsoft.com/office/drawing/2010/main">
                 <a:solidFill>
                   <a:srgbClr val="FFFFFF"/>
                 </a:solidFill>
@@ -4733,7 +4721,7 @@
           <p:cNvPr id="15" name="Text Box 7">
             <a:extLst>
               <a:ext uri="{FF2B5EF4-FFF2-40B4-BE49-F238E27FC236}">
-                <a16:creationId xmlns:a16="http://schemas.microsoft.com/office/drawing/2014/main" xmlns="" id="{11088539-2713-417A-BFE1-5258D262296C}"/>
+                <a16:creationId xmlns="" xmlns:a16="http://schemas.microsoft.com/office/drawing/2014/main" id="{11088539-2713-417A-BFE1-5258D262296C}"/>
               </a:ext>
             </a:extLst>
           </p:cNvPr>
@@ -4791,7 +4779,7 @@
           <p:cNvPr id="16" name="AutoShape 4">
             <a:extLst>
               <a:ext uri="{FF2B5EF4-FFF2-40B4-BE49-F238E27FC236}">
-                <a16:creationId xmlns:a16="http://schemas.microsoft.com/office/drawing/2014/main" xmlns="" id="{D06E9E26-8DA8-4013-8829-975BB23A918E}"/>
+                <a16:creationId xmlns="" xmlns:a16="http://schemas.microsoft.com/office/drawing/2014/main" id="{D06E9E26-8DA8-4013-8829-975BB23A918E}"/>
               </a:ext>
             </a:extLst>
           </p:cNvPr>
@@ -4822,7 +4810,7 @@
           </a:ln>
           <a:extLst>
             <a:ext uri="{909E8E84-426E-40DD-AFC4-6F175D3DCCD1}">
-              <a14:hiddenFill xmlns:a14="http://schemas.microsoft.com/office/drawing/2010/main" xmlns="">
+              <a14:hiddenFill xmlns="" xmlns:a14="http://schemas.microsoft.com/office/drawing/2010/main">
                 <a:solidFill>
                   <a:srgbClr val="FFFFFF"/>
                 </a:solidFill>
@@ -4949,7 +4937,7 @@
           <p:cNvPr id="17" name="AutoShape 6">
             <a:extLst>
               <a:ext uri="{FF2B5EF4-FFF2-40B4-BE49-F238E27FC236}">
-                <a16:creationId xmlns:a16="http://schemas.microsoft.com/office/drawing/2014/main" xmlns="" id="{B4518025-17EB-4CCC-B482-7D82D35D62C9}"/>
+                <a16:creationId xmlns="" xmlns:a16="http://schemas.microsoft.com/office/drawing/2014/main" id="{B4518025-17EB-4CCC-B482-7D82D35D62C9}"/>
               </a:ext>
             </a:extLst>
           </p:cNvPr>
@@ -4980,7 +4968,7 @@
           </a:ln>
           <a:extLst>
             <a:ext uri="{909E8E84-426E-40DD-AFC4-6F175D3DCCD1}">
-              <a14:hiddenFill xmlns:a14="http://schemas.microsoft.com/office/drawing/2010/main" xmlns="">
+              <a14:hiddenFill xmlns="" xmlns:a14="http://schemas.microsoft.com/office/drawing/2010/main">
                 <a:solidFill>
                   <a:srgbClr val="FFFFFF"/>
                 </a:solidFill>
@@ -5105,7 +5093,7 @@
     </p:spTree>
     <p:extLst>
       <p:ext uri="{BB962C8B-B14F-4D97-AF65-F5344CB8AC3E}">
-        <p14:creationId xmlns:p14="http://schemas.microsoft.com/office/powerpoint/2010/main" xmlns="" val="3051237241"/>
+        <p14:creationId xmlns="" xmlns:p14="http://schemas.microsoft.com/office/powerpoint/2010/main" val="3051237241"/>
       </p:ext>
     </p:extLst>
   </p:cSld>
@@ -6545,7 +6533,7 @@
     </p:spTree>
     <p:extLst>
       <p:ext uri="{BB962C8B-B14F-4D97-AF65-F5344CB8AC3E}">
-        <p14:creationId xmlns:p14="http://schemas.microsoft.com/office/powerpoint/2010/main" xmlns="" val="864159094"/>
+        <p14:creationId xmlns="" xmlns:p14="http://schemas.microsoft.com/office/powerpoint/2010/main" val="864159094"/>
       </p:ext>
     </p:extLst>
   </p:cSld>
@@ -6681,7 +6669,7 @@
           <p:cNvPr id="7" name="Rectangle 3">
             <a:extLst>
               <a:ext uri="{FF2B5EF4-FFF2-40B4-BE49-F238E27FC236}">
-                <a16:creationId xmlns:a16="http://schemas.microsoft.com/office/drawing/2014/main" xmlns="" id="{2AF0DBD9-D611-4119-B91F-DDA7AB3E9C70}"/>
+                <a16:creationId xmlns="" xmlns:a16="http://schemas.microsoft.com/office/drawing/2014/main" id="{2AF0DBD9-D611-4119-B91F-DDA7AB3E9C70}"/>
               </a:ext>
             </a:extLst>
           </p:cNvPr>
@@ -7037,7 +7025,7 @@
           <p:cNvPr id="8" name="Line 4">
             <a:extLst>
               <a:ext uri="{FF2B5EF4-FFF2-40B4-BE49-F238E27FC236}">
-                <a16:creationId xmlns:a16="http://schemas.microsoft.com/office/drawing/2014/main" xmlns="" id="{A67CABD1-85E7-491C-A010-1E1630247104}"/>
+                <a16:creationId xmlns="" xmlns:a16="http://schemas.microsoft.com/office/drawing/2014/main" id="{A67CABD1-85E7-491C-A010-1E1630247104}"/>
               </a:ext>
             </a:extLst>
           </p:cNvPr>
@@ -7065,7 +7053,7 @@
           </a:ln>
           <a:extLst>
             <a:ext uri="{909E8E84-426E-40DD-AFC4-6F175D3DCCD1}">
-              <a14:hiddenFill xmlns:a14="http://schemas.microsoft.com/office/drawing/2010/main" xmlns="">
+              <a14:hiddenFill xmlns="" xmlns:a14="http://schemas.microsoft.com/office/drawing/2010/main">
                 <a:noFill/>
               </a14:hiddenFill>
             </a:ext>
@@ -7084,7 +7072,7 @@
           <p:cNvPr id="9" name="Line 5">
             <a:extLst>
               <a:ext uri="{FF2B5EF4-FFF2-40B4-BE49-F238E27FC236}">
-                <a16:creationId xmlns:a16="http://schemas.microsoft.com/office/drawing/2014/main" xmlns="" id="{5452870E-A382-4BA5-A833-EEDAC3AED2CA}"/>
+                <a16:creationId xmlns="" xmlns:a16="http://schemas.microsoft.com/office/drawing/2014/main" id="{5452870E-A382-4BA5-A833-EEDAC3AED2CA}"/>
               </a:ext>
             </a:extLst>
           </p:cNvPr>
@@ -7112,7 +7100,7 @@
           </a:ln>
           <a:extLst>
             <a:ext uri="{909E8E84-426E-40DD-AFC4-6F175D3DCCD1}">
-              <a14:hiddenFill xmlns:a14="http://schemas.microsoft.com/office/drawing/2010/main" xmlns="">
+              <a14:hiddenFill xmlns="" xmlns:a14="http://schemas.microsoft.com/office/drawing/2010/main">
                 <a:noFill/>
               </a14:hiddenFill>
             </a:ext>
@@ -7131,7 +7119,7 @@
           <p:cNvPr id="11" name="Line 7">
             <a:extLst>
               <a:ext uri="{FF2B5EF4-FFF2-40B4-BE49-F238E27FC236}">
-                <a16:creationId xmlns:a16="http://schemas.microsoft.com/office/drawing/2014/main" xmlns="" id="{4FEEA0CF-88DC-45B0-BEC3-1E0F49A3D1C3}"/>
+                <a16:creationId xmlns="" xmlns:a16="http://schemas.microsoft.com/office/drawing/2014/main" id="{4FEEA0CF-88DC-45B0-BEC3-1E0F49A3D1C3}"/>
               </a:ext>
             </a:extLst>
           </p:cNvPr>
@@ -7160,7 +7148,7 @@
           </a:ln>
           <a:extLst>
             <a:ext uri="{909E8E84-426E-40DD-AFC4-6F175D3DCCD1}">
-              <a14:hiddenFill xmlns:a14="http://schemas.microsoft.com/office/drawing/2010/main" xmlns="">
+              <a14:hiddenFill xmlns="" xmlns:a14="http://schemas.microsoft.com/office/drawing/2010/main">
                 <a:noFill/>
               </a14:hiddenFill>
             </a:ext>
@@ -7177,7 +7165,7 @@
     </p:spTree>
     <p:extLst>
       <p:ext uri="{BB962C8B-B14F-4D97-AF65-F5344CB8AC3E}">
-        <p14:creationId xmlns:p14="http://schemas.microsoft.com/office/powerpoint/2010/main" xmlns="" val="3697179564"/>
+        <p14:creationId xmlns="" xmlns:p14="http://schemas.microsoft.com/office/powerpoint/2010/main" val="3697179564"/>
       </p:ext>
     </p:extLst>
   </p:cSld>
@@ -7339,7 +7327,7 @@
           <p:cNvPr id="7" name="Picture 4">
             <a:extLst>
               <a:ext uri="{FF2B5EF4-FFF2-40B4-BE49-F238E27FC236}">
-                <a16:creationId xmlns:a16="http://schemas.microsoft.com/office/drawing/2014/main" xmlns="" id="{F4955E63-53A8-4D1B-8C79-2FE2A8708B90}"/>
+                <a16:creationId xmlns="" xmlns:a16="http://schemas.microsoft.com/office/drawing/2014/main" id="{F4955E63-53A8-4D1B-8C79-2FE2A8708B90}"/>
               </a:ext>
             </a:extLst>
           </p:cNvPr>
@@ -7352,7 +7340,7 @@
           <a:blip r:embed="rId2">
             <a:extLst>
               <a:ext uri="{28A0092B-C50C-407E-A947-70E740481C1C}">
-                <a14:useLocalDpi xmlns:a14="http://schemas.microsoft.com/office/drawing/2010/main" xmlns="" val="0"/>
+                <a14:useLocalDpi xmlns="" xmlns:a14="http://schemas.microsoft.com/office/drawing/2010/main" val="0"/>
               </a:ext>
             </a:extLst>
           </a:blip>
@@ -7375,14 +7363,14 @@
           </a:ln>
           <a:extLst>
             <a:ext uri="{909E8E84-426E-40DD-AFC4-6F175D3DCCD1}">
-              <a14:hiddenFill xmlns:a14="http://schemas.microsoft.com/office/drawing/2010/main" xmlns="">
+              <a14:hiddenFill xmlns="" xmlns:a14="http://schemas.microsoft.com/office/drawing/2010/main">
                 <a:solidFill>
                   <a:srgbClr val="FFFFFF"/>
                 </a:solidFill>
               </a14:hiddenFill>
             </a:ext>
             <a:ext uri="{91240B29-F687-4F45-9708-019B960494DF}">
-              <a14:hiddenLine xmlns:a14="http://schemas.microsoft.com/office/drawing/2010/main" xmlns="" w="12700">
+              <a14:hiddenLine xmlns="" xmlns:a14="http://schemas.microsoft.com/office/drawing/2010/main" w="12700">
                 <a:solidFill>
                   <a:srgbClr val="000000"/>
                 </a:solidFill>
@@ -7397,7 +7385,7 @@
     </p:spTree>
     <p:extLst>
       <p:ext uri="{BB962C8B-B14F-4D97-AF65-F5344CB8AC3E}">
-        <p14:creationId xmlns:p14="http://schemas.microsoft.com/office/powerpoint/2010/main" xmlns="" val="484508722"/>
+        <p14:creationId xmlns="" xmlns:p14="http://schemas.microsoft.com/office/powerpoint/2010/main" val="484508722"/>
       </p:ext>
     </p:extLst>
   </p:cSld>
@@ -7563,7 +7551,7 @@
     </p:spTree>
     <p:extLst>
       <p:ext uri="{BB962C8B-B14F-4D97-AF65-F5344CB8AC3E}">
-        <p14:creationId xmlns:p14="http://schemas.microsoft.com/office/powerpoint/2010/main" xmlns="" val="2338802847"/>
+        <p14:creationId xmlns="" xmlns:p14="http://schemas.microsoft.com/office/powerpoint/2010/main" val="2338802847"/>
       </p:ext>
     </p:extLst>
   </p:cSld>
@@ -7717,7 +7705,7 @@
           <p:cNvPr id="7" name="Text Box 4">
             <a:extLst>
               <a:ext uri="{FF2B5EF4-FFF2-40B4-BE49-F238E27FC236}">
-                <a16:creationId xmlns:a16="http://schemas.microsoft.com/office/drawing/2014/main" xmlns="" id="{AC2F68B8-DBF2-46DB-9477-312F34305478}"/>
+                <a16:creationId xmlns="" xmlns:a16="http://schemas.microsoft.com/office/drawing/2014/main" id="{AC2F68B8-DBF2-46DB-9477-312F34305478}"/>
               </a:ext>
             </a:extLst>
           </p:cNvPr>
@@ -7745,7 +7733,7 @@
           </a:ln>
           <a:extLst>
             <a:ext uri="{909E8E84-426E-40DD-AFC4-6F175D3DCCD1}">
-              <a14:hiddenFill xmlns:a14="http://schemas.microsoft.com/office/drawing/2010/main" xmlns="">
+              <a14:hiddenFill xmlns="" xmlns:a14="http://schemas.microsoft.com/office/drawing/2010/main">
                 <a:solidFill>
                   <a:srgbClr val="FFFFFF"/>
                 </a:solidFill>
@@ -8024,7 +8012,7 @@
           <p:cNvPr id="8" name="Line 5">
             <a:extLst>
               <a:ext uri="{FF2B5EF4-FFF2-40B4-BE49-F238E27FC236}">
-                <a16:creationId xmlns:a16="http://schemas.microsoft.com/office/drawing/2014/main" xmlns="" id="{AC0353F0-9EB6-4270-B1BB-E4986E204E94}"/>
+                <a16:creationId xmlns="" xmlns:a16="http://schemas.microsoft.com/office/drawing/2014/main" id="{AC0353F0-9EB6-4270-B1BB-E4986E204E94}"/>
               </a:ext>
             </a:extLst>
           </p:cNvPr>
@@ -8052,7 +8040,7 @@
           </a:ln>
           <a:extLst>
             <a:ext uri="{909E8E84-426E-40DD-AFC4-6F175D3DCCD1}">
-              <a14:hiddenFill xmlns:a14="http://schemas.microsoft.com/office/drawing/2010/main" xmlns="">
+              <a14:hiddenFill xmlns="" xmlns:a14="http://schemas.microsoft.com/office/drawing/2010/main">
                 <a:noFill/>
               </a14:hiddenFill>
             </a:ext>
@@ -8071,7 +8059,7 @@
           <p:cNvPr id="9" name="Picture 7" descr="composition">
             <a:extLst>
               <a:ext uri="{FF2B5EF4-FFF2-40B4-BE49-F238E27FC236}">
-                <a16:creationId xmlns:a16="http://schemas.microsoft.com/office/drawing/2014/main" xmlns="" id="{F63FD8D9-C954-4DC7-82D1-34A1DCC0DA88}"/>
+                <a16:creationId xmlns="" xmlns:a16="http://schemas.microsoft.com/office/drawing/2014/main" id="{F63FD8D9-C954-4DC7-82D1-34A1DCC0DA88}"/>
               </a:ext>
             </a:extLst>
           </p:cNvPr>
@@ -8084,7 +8072,7 @@
           <a:blip r:embed="rId2">
             <a:extLst>
               <a:ext uri="{28A0092B-C50C-407E-A947-70E740481C1C}">
-                <a14:useLocalDpi xmlns:a14="http://schemas.microsoft.com/office/drawing/2010/main" xmlns="" val="0"/>
+                <a14:useLocalDpi xmlns="" xmlns:a14="http://schemas.microsoft.com/office/drawing/2010/main" val="0"/>
               </a:ext>
             </a:extLst>
           </a:blip>
@@ -8107,14 +8095,14 @@
           </a:ln>
           <a:extLst>
             <a:ext uri="{909E8E84-426E-40DD-AFC4-6F175D3DCCD1}">
-              <a14:hiddenFill xmlns:a14="http://schemas.microsoft.com/office/drawing/2010/main" xmlns="">
+              <a14:hiddenFill xmlns="" xmlns:a14="http://schemas.microsoft.com/office/drawing/2010/main">
                 <a:solidFill>
                   <a:srgbClr val="FFFFFF"/>
                 </a:solidFill>
               </a14:hiddenFill>
             </a:ext>
             <a:ext uri="{91240B29-F687-4F45-9708-019B960494DF}">
-              <a14:hiddenLine xmlns:a14="http://schemas.microsoft.com/office/drawing/2010/main" xmlns="" w="9525">
+              <a14:hiddenLine xmlns="" xmlns:a14="http://schemas.microsoft.com/office/drawing/2010/main" w="9525">
                 <a:solidFill>
                   <a:srgbClr val="000000"/>
                 </a:solidFill>
@@ -8129,7 +8117,7 @@
     </p:spTree>
     <p:extLst>
       <p:ext uri="{BB962C8B-B14F-4D97-AF65-F5344CB8AC3E}">
-        <p14:creationId xmlns:p14="http://schemas.microsoft.com/office/powerpoint/2010/main" xmlns="" val="2288757145"/>
+        <p14:creationId xmlns="" xmlns:p14="http://schemas.microsoft.com/office/powerpoint/2010/main" val="2288757145"/>
       </p:ext>
     </p:extLst>
   </p:cSld>
@@ -8428,7 +8416,7 @@
   <a:extraClrSchemeLst/>
   <a:extLst>
     <a:ext uri="{05A4C25C-085E-4340-85A3-A5531E510DB2}">
-      <thm15:themeFamily xmlns:thm15="http://schemas.microsoft.com/office/thememl/2012/main" xmlns="" name="eye_tracker_presentation" id="{00ED1D97-A04B-46A0-BB71-88655A6B057F}" vid="{F36189FA-3966-4852-951E-5734674D1C7B}"/>
+      <thm15:themeFamily xmlns="" xmlns:thm15="http://schemas.microsoft.com/office/thememl/2012/main" name="eye_tracker_presentation" id="{00ED1D97-A04B-46A0-BB71-88655A6B057F}" vid="{F36189FA-3966-4852-951E-5734674D1C7B}"/>
     </a:ext>
   </a:extLst>
 </a:theme>
@@ -8723,7 +8711,7 @@
   <a:extraClrSchemeLst/>
   <a:extLst>
     <a:ext uri="{05A4C25C-085E-4340-85A3-A5531E510DB2}">
-      <thm15:themeFamily xmlns:thm15="http://schemas.microsoft.com/office/thememl/2012/main" xmlns="" name="Office Theme" id="{62F939B6-93AF-4DB8-9C6B-D6C7DFDC589F}" vid="{4A3C46E8-61CC-4603-A589-7422A47A8E4A}"/>
+      <thm15:themeFamily xmlns="" xmlns:thm15="http://schemas.microsoft.com/office/thememl/2012/main" name="Office Theme" id="{62F939B6-93AF-4DB8-9C6B-D6C7DFDC589F}" vid="{4A3C46E8-61CC-4603-A589-7422A47A8E4A}"/>
     </a:ext>
   </a:extLst>
 </a:theme>
